--- a/GH_513.pptx
+++ b/GH_513.pptx
@@ -304,7 +304,7 @@
           <a:p>
             <a:fld id="{2461136C-00E2-4A7D-8F54-96D7E97ECD47}" type="datetimeFigureOut">
               <a:rPr lang="en-US" smtClean="0"/>
-              <a:t>12/13/2018</a:t>
+              <a:t>1/15/2019</a:t>
             </a:fld>
             <a:endParaRPr lang="en-US"/>
           </a:p>
@@ -474,7 +474,7 @@
           <a:p>
             <a:fld id="{2461136C-00E2-4A7D-8F54-96D7E97ECD47}" type="datetimeFigureOut">
               <a:rPr lang="en-US" smtClean="0"/>
-              <a:t>12/13/2018</a:t>
+              <a:t>1/15/2019</a:t>
             </a:fld>
             <a:endParaRPr lang="en-US"/>
           </a:p>
@@ -654,7 +654,7 @@
           <a:p>
             <a:fld id="{2461136C-00E2-4A7D-8F54-96D7E97ECD47}" type="datetimeFigureOut">
               <a:rPr lang="en-US" smtClean="0"/>
-              <a:t>12/13/2018</a:t>
+              <a:t>1/15/2019</a:t>
             </a:fld>
             <a:endParaRPr lang="en-US"/>
           </a:p>
@@ -824,7 +824,7 @@
           <a:p>
             <a:fld id="{2461136C-00E2-4A7D-8F54-96D7E97ECD47}" type="datetimeFigureOut">
               <a:rPr lang="en-US" smtClean="0"/>
-              <a:t>12/13/2018</a:t>
+              <a:t>1/15/2019</a:t>
             </a:fld>
             <a:endParaRPr lang="en-US"/>
           </a:p>
@@ -1070,7 +1070,7 @@
           <a:p>
             <a:fld id="{2461136C-00E2-4A7D-8F54-96D7E97ECD47}" type="datetimeFigureOut">
               <a:rPr lang="en-US" smtClean="0"/>
-              <a:t>12/13/2018</a:t>
+              <a:t>1/15/2019</a:t>
             </a:fld>
             <a:endParaRPr lang="en-US"/>
           </a:p>
@@ -1358,7 +1358,7 @@
           <a:p>
             <a:fld id="{2461136C-00E2-4A7D-8F54-96D7E97ECD47}" type="datetimeFigureOut">
               <a:rPr lang="en-US" smtClean="0"/>
-              <a:t>12/13/2018</a:t>
+              <a:t>1/15/2019</a:t>
             </a:fld>
             <a:endParaRPr lang="en-US"/>
           </a:p>
@@ -1780,7 +1780,7 @@
           <a:p>
             <a:fld id="{2461136C-00E2-4A7D-8F54-96D7E97ECD47}" type="datetimeFigureOut">
               <a:rPr lang="en-US" smtClean="0"/>
-              <a:t>12/13/2018</a:t>
+              <a:t>1/15/2019</a:t>
             </a:fld>
             <a:endParaRPr lang="en-US"/>
           </a:p>
@@ -1898,7 +1898,7 @@
           <a:p>
             <a:fld id="{2461136C-00E2-4A7D-8F54-96D7E97ECD47}" type="datetimeFigureOut">
               <a:rPr lang="en-US" smtClean="0"/>
-              <a:t>12/13/2018</a:t>
+              <a:t>1/15/2019</a:t>
             </a:fld>
             <a:endParaRPr lang="en-US"/>
           </a:p>
@@ -1993,7 +1993,7 @@
           <a:p>
             <a:fld id="{2461136C-00E2-4A7D-8F54-96D7E97ECD47}" type="datetimeFigureOut">
               <a:rPr lang="en-US" smtClean="0"/>
-              <a:t>12/13/2018</a:t>
+              <a:t>1/15/2019</a:t>
             </a:fld>
             <a:endParaRPr lang="en-US"/>
           </a:p>
@@ -2270,7 +2270,7 @@
           <a:p>
             <a:fld id="{2461136C-00E2-4A7D-8F54-96D7E97ECD47}" type="datetimeFigureOut">
               <a:rPr lang="en-US" smtClean="0"/>
-              <a:t>12/13/2018</a:t>
+              <a:t>1/15/2019</a:t>
             </a:fld>
             <a:endParaRPr lang="en-US"/>
           </a:p>
@@ -2523,7 +2523,7 @@
           <a:p>
             <a:fld id="{2461136C-00E2-4A7D-8F54-96D7E97ECD47}" type="datetimeFigureOut">
               <a:rPr lang="en-US" smtClean="0"/>
-              <a:t>12/13/2018</a:t>
+              <a:t>1/15/2019</a:t>
             </a:fld>
             <a:endParaRPr lang="en-US"/>
           </a:p>
@@ -2736,7 +2736,7 @@
           <a:p>
             <a:fld id="{2461136C-00E2-4A7D-8F54-96D7E97ECD47}" type="datetimeFigureOut">
               <a:rPr lang="en-US" smtClean="0"/>
-              <a:t>12/13/2018</a:t>
+              <a:t>1/15/2019</a:t>
             </a:fld>
             <a:endParaRPr lang="en-US"/>
           </a:p>
@@ -8188,7 +8188,6 @@
               <a:rPr lang="en-US" sz="1400" dirty="0" smtClean="0"/>
               <a:t>Crosses From</a:t>
             </a:r>
-            <a:endParaRPr lang="en-US" sz="1400" dirty="0" smtClean="0"/>
           </a:p>
           <a:p>
             <a:pPr algn="ctr"/>
@@ -8322,6 +8321,104 @@
           <a:p>
             <a:pPr algn="ctr"/>
             <a:endParaRPr lang="en-US"/>
+          </a:p>
+        </p:txBody>
+      </p:sp>
+      <p:sp>
+        <p:nvSpPr>
+          <p:cNvPr id="3" name="Rectangle 2"/>
+          <p:cNvSpPr/>
+          <p:nvPr/>
+        </p:nvSpPr>
+        <p:spPr>
+          <a:xfrm>
+            <a:off x="1688073" y="1676329"/>
+            <a:ext cx="978927" cy="2754646"/>
+          </a:xfrm>
+          <a:prstGeom prst="rect">
+            <a:avLst/>
+          </a:prstGeom>
+          <a:solidFill>
+            <a:schemeClr val="accent1">
+              <a:lumMod val="50000"/>
+            </a:schemeClr>
+          </a:solidFill>
+        </p:spPr>
+        <p:style>
+          <a:lnRef idx="2">
+            <a:schemeClr val="accent1">
+              <a:shade val="50000"/>
+            </a:schemeClr>
+          </a:lnRef>
+          <a:fillRef idx="1">
+            <a:schemeClr val="accent1"/>
+          </a:fillRef>
+          <a:effectRef idx="0">
+            <a:schemeClr val="accent1"/>
+          </a:effectRef>
+          <a:fontRef idx="minor">
+            <a:schemeClr val="lt1"/>
+          </a:fontRef>
+        </p:style>
+        <p:txBody>
+          <a:bodyPr rtlCol="0" anchor="ctr"/>
+          <a:lstStyle/>
+          <a:p>
+            <a:pPr algn="ctr"/>
+            <a:endParaRPr lang="en-US"/>
+          </a:p>
+        </p:txBody>
+      </p:sp>
+      <p:sp>
+        <p:nvSpPr>
+          <p:cNvPr id="172" name="TextBox 171"/>
+          <p:cNvSpPr txBox="1"/>
+          <p:nvPr/>
+        </p:nvSpPr>
+        <p:spPr>
+          <a:xfrm>
+            <a:off x="1682989" y="2387876"/>
+            <a:ext cx="950881" cy="584775"/>
+          </a:xfrm>
+          <a:prstGeom prst="rect">
+            <a:avLst/>
+          </a:prstGeom>
+          <a:noFill/>
+        </p:spPr>
+        <p:txBody>
+          <a:bodyPr wrap="square" rtlCol="0">
+            <a:spAutoFit/>
+          </a:bodyPr>
+          <a:lstStyle/>
+          <a:p>
+            <a:r>
+              <a:rPr lang="en-US" sz="1600" dirty="0" err="1" smtClean="0">
+                <a:solidFill>
+                  <a:schemeClr val="bg1"/>
+                </a:solidFill>
+              </a:rPr>
+              <a:t>Daojun’s</a:t>
+            </a:r>
+            <a:endParaRPr lang="en-US" sz="1600" dirty="0" smtClean="0">
+              <a:solidFill>
+                <a:schemeClr val="bg1"/>
+              </a:solidFill>
+            </a:endParaRPr>
+          </a:p>
+          <a:p>
+            <a:r>
+              <a:rPr lang="en-US" sz="1600" dirty="0" smtClean="0">
+                <a:solidFill>
+                  <a:schemeClr val="bg1"/>
+                </a:solidFill>
+              </a:rPr>
+              <a:t>plants</a:t>
+            </a:r>
+            <a:endParaRPr lang="en-US" sz="1600" dirty="0">
+              <a:solidFill>
+                <a:schemeClr val="bg1"/>
+              </a:solidFill>
+            </a:endParaRPr>
           </a:p>
         </p:txBody>
       </p:sp>
